--- a/Other files/Logo designing.pptx
+++ b/Other files/Logo designing.pptx
@@ -8,6 +8,7 @@
     <p:sldId id="256" r:id="rId2"/>
     <p:sldId id="257" r:id="rId3"/>
     <p:sldId id="258" r:id="rId4"/>
+    <p:sldId id="259" r:id="rId5"/>
   </p:sldIdLst>
   <p:sldSz cx="12192000" cy="6858000"/>
   <p:notesSz cx="6858000" cy="9144000"/>
@@ -106,6 +107,11 @@
       </a:defRPr>
     </a:lvl9pPr>
   </p:defaultTextStyle>
+  <p:extLst>
+    <p:ext uri="{EFAFB233-063F-42B5-8137-9DF3F51BA10A}">
+      <p15:sldGuideLst xmlns:p15="http://schemas.microsoft.com/office/powerpoint/2012/main"/>
+    </p:ext>
+  </p:extLst>
 </p:presentation>
 </file>
 
@@ -258,7 +264,7 @@
           <a:p>
             <a:fld id="{79FA8C5A-A6E0-4892-9BB9-858508F7299E}" type="datetimeFigureOut">
               <a:rPr lang="en-GB" smtClean="0"/>
-              <a:t>28/02/2022</a:t>
+              <a:t>02/03/2022</a:t>
             </a:fld>
             <a:endParaRPr lang="en-GB"/>
           </a:p>
@@ -458,7 +464,7 @@
           <a:p>
             <a:fld id="{79FA8C5A-A6E0-4892-9BB9-858508F7299E}" type="datetimeFigureOut">
               <a:rPr lang="en-GB" smtClean="0"/>
-              <a:t>28/02/2022</a:t>
+              <a:t>02/03/2022</a:t>
             </a:fld>
             <a:endParaRPr lang="en-GB"/>
           </a:p>
@@ -668,7 +674,7 @@
           <a:p>
             <a:fld id="{79FA8C5A-A6E0-4892-9BB9-858508F7299E}" type="datetimeFigureOut">
               <a:rPr lang="en-GB" smtClean="0"/>
-              <a:t>28/02/2022</a:t>
+              <a:t>02/03/2022</a:t>
             </a:fld>
             <a:endParaRPr lang="en-GB"/>
           </a:p>
@@ -868,7 +874,7 @@
           <a:p>
             <a:fld id="{79FA8C5A-A6E0-4892-9BB9-858508F7299E}" type="datetimeFigureOut">
               <a:rPr lang="en-GB" smtClean="0"/>
-              <a:t>28/02/2022</a:t>
+              <a:t>02/03/2022</a:t>
             </a:fld>
             <a:endParaRPr lang="en-GB"/>
           </a:p>
@@ -1144,7 +1150,7 @@
           <a:p>
             <a:fld id="{79FA8C5A-A6E0-4892-9BB9-858508F7299E}" type="datetimeFigureOut">
               <a:rPr lang="en-GB" smtClean="0"/>
-              <a:t>28/02/2022</a:t>
+              <a:t>02/03/2022</a:t>
             </a:fld>
             <a:endParaRPr lang="en-GB"/>
           </a:p>
@@ -1412,7 +1418,7 @@
           <a:p>
             <a:fld id="{79FA8C5A-A6E0-4892-9BB9-858508F7299E}" type="datetimeFigureOut">
               <a:rPr lang="en-GB" smtClean="0"/>
-              <a:t>28/02/2022</a:t>
+              <a:t>02/03/2022</a:t>
             </a:fld>
             <a:endParaRPr lang="en-GB"/>
           </a:p>
@@ -1827,7 +1833,7 @@
           <a:p>
             <a:fld id="{79FA8C5A-A6E0-4892-9BB9-858508F7299E}" type="datetimeFigureOut">
               <a:rPr lang="en-GB" smtClean="0"/>
-              <a:t>28/02/2022</a:t>
+              <a:t>02/03/2022</a:t>
             </a:fld>
             <a:endParaRPr lang="en-GB"/>
           </a:p>
@@ -1969,7 +1975,7 @@
           <a:p>
             <a:fld id="{79FA8C5A-A6E0-4892-9BB9-858508F7299E}" type="datetimeFigureOut">
               <a:rPr lang="en-GB" smtClean="0"/>
-              <a:t>28/02/2022</a:t>
+              <a:t>02/03/2022</a:t>
             </a:fld>
             <a:endParaRPr lang="en-GB"/>
           </a:p>
@@ -2082,7 +2088,7 @@
           <a:p>
             <a:fld id="{79FA8C5A-A6E0-4892-9BB9-858508F7299E}" type="datetimeFigureOut">
               <a:rPr lang="en-GB" smtClean="0"/>
-              <a:t>28/02/2022</a:t>
+              <a:t>02/03/2022</a:t>
             </a:fld>
             <a:endParaRPr lang="en-GB"/>
           </a:p>
@@ -2395,7 +2401,7 @@
           <a:p>
             <a:fld id="{79FA8C5A-A6E0-4892-9BB9-858508F7299E}" type="datetimeFigureOut">
               <a:rPr lang="en-GB" smtClean="0"/>
-              <a:t>28/02/2022</a:t>
+              <a:t>02/03/2022</a:t>
             </a:fld>
             <a:endParaRPr lang="en-GB"/>
           </a:p>
@@ -2684,7 +2690,7 @@
           <a:p>
             <a:fld id="{79FA8C5A-A6E0-4892-9BB9-858508F7299E}" type="datetimeFigureOut">
               <a:rPr lang="en-GB" smtClean="0"/>
-              <a:t>28/02/2022</a:t>
+              <a:t>02/03/2022</a:t>
             </a:fld>
             <a:endParaRPr lang="en-GB"/>
           </a:p>
@@ -2927,7 +2933,7 @@
           <a:p>
             <a:fld id="{79FA8C5A-A6E0-4892-9BB9-858508F7299E}" type="datetimeFigureOut">
               <a:rPr lang="en-GB" smtClean="0"/>
-              <a:t>28/02/2022</a:t>
+              <a:t>02/03/2022</a:t>
             </a:fld>
             <a:endParaRPr lang="en-GB"/>
           </a:p>
@@ -4036,6 +4042,145 @@
 </p:sld>
 </file>
 
+<file path=ppt/slides/slide4.xml><?xml version="1.0" encoding="utf-8"?>
+<p:sld xmlns:a="http://schemas.openxmlformats.org/drawingml/2006/main" xmlns:r="http://schemas.openxmlformats.org/officeDocument/2006/relationships" xmlns:p="http://schemas.openxmlformats.org/presentationml/2006/main">
+  <p:cSld>
+    <p:spTree>
+      <p:nvGrpSpPr>
+        <p:cNvPr id="1" name=""/>
+        <p:cNvGrpSpPr/>
+        <p:nvPr/>
+      </p:nvGrpSpPr>
+      <p:grpSpPr>
+        <a:xfrm>
+          <a:off x="0" y="0"/>
+          <a:ext cx="0" cy="0"/>
+          <a:chOff x="0" y="0"/>
+          <a:chExt cx="0" cy="0"/>
+        </a:xfrm>
+      </p:grpSpPr>
+      <p:grpSp>
+        <p:nvGrpSpPr>
+          <p:cNvPr id="18" name="Group 17">
+            <a:extLst>
+              <a:ext uri="{FF2B5EF4-FFF2-40B4-BE49-F238E27FC236}">
+                <a16:creationId xmlns:a16="http://schemas.microsoft.com/office/drawing/2014/main" id="{A2D92F05-0C3C-4669-968B-84DBCB4DECA4}"/>
+              </a:ext>
+            </a:extLst>
+          </p:cNvPr>
+          <p:cNvGrpSpPr/>
+          <p:nvPr/>
+        </p:nvGrpSpPr>
+        <p:grpSpPr>
+          <a:xfrm>
+            <a:off x="3953453" y="1228725"/>
+            <a:ext cx="1080000" cy="1018575"/>
+            <a:chOff x="3953453" y="1228725"/>
+            <a:chExt cx="1080000" cy="1018575"/>
+          </a:xfrm>
+        </p:grpSpPr>
+        <p:cxnSp>
+          <p:nvCxnSpPr>
+            <p:cNvPr id="5" name="Straight Arrow Connector 4">
+              <a:extLst>
+                <a:ext uri="{FF2B5EF4-FFF2-40B4-BE49-F238E27FC236}">
+                  <a16:creationId xmlns:a16="http://schemas.microsoft.com/office/drawing/2014/main" id="{89A95A46-BF2A-43FC-80A9-F0FC6B464F74}"/>
+                </a:ext>
+              </a:extLst>
+            </p:cNvPr>
+            <p:cNvCxnSpPr/>
+            <p:nvPr/>
+          </p:nvCxnSpPr>
+          <p:spPr>
+            <a:xfrm flipV="1">
+              <a:off x="3953453" y="1228725"/>
+              <a:ext cx="1080000" cy="450000"/>
+            </a:xfrm>
+            <a:prstGeom prst="straightConnector1">
+              <a:avLst/>
+            </a:prstGeom>
+            <a:ln w="76200">
+              <a:solidFill>
+                <a:schemeClr val="tx1"/>
+              </a:solidFill>
+              <a:headEnd w="lg" len="lg"/>
+              <a:tailEnd type="triangle" w="lg" len="lg"/>
+            </a:ln>
+          </p:spPr>
+          <p:style>
+            <a:lnRef idx="1">
+              <a:schemeClr val="accent1"/>
+            </a:lnRef>
+            <a:fillRef idx="0">
+              <a:schemeClr val="accent1"/>
+            </a:fillRef>
+            <a:effectRef idx="0">
+              <a:schemeClr val="accent1"/>
+            </a:effectRef>
+            <a:fontRef idx="minor">
+              <a:schemeClr val="tx1"/>
+            </a:fontRef>
+          </p:style>
+        </p:cxnSp>
+        <p:cxnSp>
+          <p:nvCxnSpPr>
+            <p:cNvPr id="15" name="Straight Arrow Connector 14">
+              <a:extLst>
+                <a:ext uri="{FF2B5EF4-FFF2-40B4-BE49-F238E27FC236}">
+                  <a16:creationId xmlns:a16="http://schemas.microsoft.com/office/drawing/2014/main" id="{5DBBF486-24C7-4DF0-9037-843F42BC95EA}"/>
+                </a:ext>
+              </a:extLst>
+            </p:cNvPr>
+            <p:cNvCxnSpPr>
+              <a:cxnSpLocks/>
+            </p:cNvCxnSpPr>
+            <p:nvPr/>
+          </p:nvCxnSpPr>
+          <p:spPr>
+            <a:xfrm>
+              <a:off x="3953453" y="1797300"/>
+              <a:ext cx="1080000" cy="450000"/>
+            </a:xfrm>
+            <a:prstGeom prst="straightConnector1">
+              <a:avLst/>
+            </a:prstGeom>
+            <a:ln w="76200">
+              <a:solidFill>
+                <a:schemeClr val="tx1"/>
+              </a:solidFill>
+              <a:headEnd w="lg" len="lg"/>
+              <a:tailEnd type="triangle" w="lg" len="lg"/>
+            </a:ln>
+          </p:spPr>
+          <p:style>
+            <a:lnRef idx="1">
+              <a:schemeClr val="accent1"/>
+            </a:lnRef>
+            <a:fillRef idx="0">
+              <a:schemeClr val="accent1"/>
+            </a:fillRef>
+            <a:effectRef idx="0">
+              <a:schemeClr val="accent1"/>
+            </a:effectRef>
+            <a:fontRef idx="minor">
+              <a:schemeClr val="tx1"/>
+            </a:fontRef>
+          </p:style>
+        </p:cxnSp>
+      </p:grpSp>
+    </p:spTree>
+    <p:extLst>
+      <p:ext uri="{BB962C8B-B14F-4D97-AF65-F5344CB8AC3E}">
+        <p14:creationId xmlns:p14="http://schemas.microsoft.com/office/powerpoint/2010/main" val="1846886863"/>
+      </p:ext>
+    </p:extLst>
+  </p:cSld>
+  <p:clrMapOvr>
+    <a:masterClrMapping/>
+  </p:clrMapOvr>
+</p:sld>
+</file>
+
 <file path=ppt/theme/theme1.xml><?xml version="1.0" encoding="utf-8"?>
 <a:theme xmlns:a="http://schemas.openxmlformats.org/drawingml/2006/main" name="Office Theme">
   <a:themeElements>

--- a/Other files/Logo designing.pptx
+++ b/Other files/Logo designing.pptx
@@ -6,9 +6,10 @@
   </p:sldMasterIdLst>
   <p:sldIdLst>
     <p:sldId id="256" r:id="rId2"/>
-    <p:sldId id="257" r:id="rId3"/>
-    <p:sldId id="258" r:id="rId4"/>
-    <p:sldId id="259" r:id="rId5"/>
+    <p:sldId id="260" r:id="rId3"/>
+    <p:sldId id="257" r:id="rId4"/>
+    <p:sldId id="258" r:id="rId5"/>
+    <p:sldId id="259" r:id="rId6"/>
   </p:sldIdLst>
   <p:sldSz cx="12192000" cy="6858000"/>
   <p:notesSz cx="6858000" cy="9144000"/>
@@ -264,7 +265,7 @@
           <a:p>
             <a:fld id="{79FA8C5A-A6E0-4892-9BB9-858508F7299E}" type="datetimeFigureOut">
               <a:rPr lang="en-GB" smtClean="0"/>
-              <a:t>02/03/2022</a:t>
+              <a:t>28/03/2022</a:t>
             </a:fld>
             <a:endParaRPr lang="en-GB"/>
           </a:p>
@@ -464,7 +465,7 @@
           <a:p>
             <a:fld id="{79FA8C5A-A6E0-4892-9BB9-858508F7299E}" type="datetimeFigureOut">
               <a:rPr lang="en-GB" smtClean="0"/>
-              <a:t>02/03/2022</a:t>
+              <a:t>28/03/2022</a:t>
             </a:fld>
             <a:endParaRPr lang="en-GB"/>
           </a:p>
@@ -674,7 +675,7 @@
           <a:p>
             <a:fld id="{79FA8C5A-A6E0-4892-9BB9-858508F7299E}" type="datetimeFigureOut">
               <a:rPr lang="en-GB" smtClean="0"/>
-              <a:t>02/03/2022</a:t>
+              <a:t>28/03/2022</a:t>
             </a:fld>
             <a:endParaRPr lang="en-GB"/>
           </a:p>
@@ -874,7 +875,7 @@
           <a:p>
             <a:fld id="{79FA8C5A-A6E0-4892-9BB9-858508F7299E}" type="datetimeFigureOut">
               <a:rPr lang="en-GB" smtClean="0"/>
-              <a:t>02/03/2022</a:t>
+              <a:t>28/03/2022</a:t>
             </a:fld>
             <a:endParaRPr lang="en-GB"/>
           </a:p>
@@ -1150,7 +1151,7 @@
           <a:p>
             <a:fld id="{79FA8C5A-A6E0-4892-9BB9-858508F7299E}" type="datetimeFigureOut">
               <a:rPr lang="en-GB" smtClean="0"/>
-              <a:t>02/03/2022</a:t>
+              <a:t>28/03/2022</a:t>
             </a:fld>
             <a:endParaRPr lang="en-GB"/>
           </a:p>
@@ -1418,7 +1419,7 @@
           <a:p>
             <a:fld id="{79FA8C5A-A6E0-4892-9BB9-858508F7299E}" type="datetimeFigureOut">
               <a:rPr lang="en-GB" smtClean="0"/>
-              <a:t>02/03/2022</a:t>
+              <a:t>28/03/2022</a:t>
             </a:fld>
             <a:endParaRPr lang="en-GB"/>
           </a:p>
@@ -1833,7 +1834,7 @@
           <a:p>
             <a:fld id="{79FA8C5A-A6E0-4892-9BB9-858508F7299E}" type="datetimeFigureOut">
               <a:rPr lang="en-GB" smtClean="0"/>
-              <a:t>02/03/2022</a:t>
+              <a:t>28/03/2022</a:t>
             </a:fld>
             <a:endParaRPr lang="en-GB"/>
           </a:p>
@@ -1975,7 +1976,7 @@
           <a:p>
             <a:fld id="{79FA8C5A-A6E0-4892-9BB9-858508F7299E}" type="datetimeFigureOut">
               <a:rPr lang="en-GB" smtClean="0"/>
-              <a:t>02/03/2022</a:t>
+              <a:t>28/03/2022</a:t>
             </a:fld>
             <a:endParaRPr lang="en-GB"/>
           </a:p>
@@ -2088,7 +2089,7 @@
           <a:p>
             <a:fld id="{79FA8C5A-A6E0-4892-9BB9-858508F7299E}" type="datetimeFigureOut">
               <a:rPr lang="en-GB" smtClean="0"/>
-              <a:t>02/03/2022</a:t>
+              <a:t>28/03/2022</a:t>
             </a:fld>
             <a:endParaRPr lang="en-GB"/>
           </a:p>
@@ -2401,7 +2402,7 @@
           <a:p>
             <a:fld id="{79FA8C5A-A6E0-4892-9BB9-858508F7299E}" type="datetimeFigureOut">
               <a:rPr lang="en-GB" smtClean="0"/>
-              <a:t>02/03/2022</a:t>
+              <a:t>28/03/2022</a:t>
             </a:fld>
             <a:endParaRPr lang="en-GB"/>
           </a:p>
@@ -2690,7 +2691,7 @@
           <a:p>
             <a:fld id="{79FA8C5A-A6E0-4892-9BB9-858508F7299E}" type="datetimeFigureOut">
               <a:rPr lang="en-GB" smtClean="0"/>
-              <a:t>02/03/2022</a:t>
+              <a:t>28/03/2022</a:t>
             </a:fld>
             <a:endParaRPr lang="en-GB"/>
           </a:p>
@@ -2933,7 +2934,7 @@
           <a:p>
             <a:fld id="{79FA8C5A-A6E0-4892-9BB9-858508F7299E}" type="datetimeFigureOut">
               <a:rPr lang="en-GB" smtClean="0"/>
-              <a:t>02/03/2022</a:t>
+              <a:t>28/03/2022</a:t>
             </a:fld>
             <a:endParaRPr lang="en-GB"/>
           </a:p>
@@ -3590,6 +3591,246 @@
       </p:grpSpPr>
       <p:grpSp>
         <p:nvGrpSpPr>
+          <p:cNvPr id="6" name="Group 5">
+            <a:extLst>
+              <a:ext uri="{FF2B5EF4-FFF2-40B4-BE49-F238E27FC236}">
+                <a16:creationId xmlns:a16="http://schemas.microsoft.com/office/drawing/2014/main" id="{FB4958F1-4B02-43E4-B114-2363A6ECA4DD}"/>
+              </a:ext>
+            </a:extLst>
+          </p:cNvPr>
+          <p:cNvGrpSpPr/>
+          <p:nvPr/>
+        </p:nvGrpSpPr>
+        <p:grpSpPr>
+          <a:xfrm>
+            <a:off x="2569236" y="306209"/>
+            <a:ext cx="5400000" cy="6021811"/>
+            <a:chOff x="2569236" y="306209"/>
+            <a:chExt cx="5400000" cy="6021811"/>
+          </a:xfrm>
+        </p:grpSpPr>
+        <p:sp>
+          <p:nvSpPr>
+            <p:cNvPr id="2" name="Rectangle 1">
+              <a:extLst>
+                <a:ext uri="{FF2B5EF4-FFF2-40B4-BE49-F238E27FC236}">
+                  <a16:creationId xmlns:a16="http://schemas.microsoft.com/office/drawing/2014/main" id="{8FF12B98-75AF-4ADB-8B00-D72070D3D072}"/>
+                </a:ext>
+              </a:extLst>
+            </p:cNvPr>
+            <p:cNvSpPr/>
+            <p:nvPr/>
+          </p:nvSpPr>
+          <p:spPr>
+            <a:xfrm>
+              <a:off x="2569236" y="609978"/>
+              <a:ext cx="5400000" cy="5400000"/>
+            </a:xfrm>
+            <a:prstGeom prst="rect">
+              <a:avLst/>
+            </a:prstGeom>
+            <a:solidFill>
+              <a:schemeClr val="tx1"/>
+            </a:solidFill>
+          </p:spPr>
+          <p:style>
+            <a:lnRef idx="2">
+              <a:schemeClr val="accent1">
+                <a:shade val="50000"/>
+              </a:schemeClr>
+            </a:lnRef>
+            <a:fillRef idx="1">
+              <a:schemeClr val="accent1"/>
+            </a:fillRef>
+            <a:effectRef idx="0">
+              <a:schemeClr val="accent1"/>
+            </a:effectRef>
+            <a:fontRef idx="minor">
+              <a:schemeClr val="lt1"/>
+            </a:fontRef>
+          </p:style>
+          <p:txBody>
+            <a:bodyPr rtlCol="0" anchor="ctr"/>
+            <a:lstStyle/>
+            <a:p>
+              <a:pPr algn="ctr"/>
+              <a:endParaRPr lang="en-GB"/>
+            </a:p>
+          </p:txBody>
+        </p:sp>
+        <p:sp>
+          <p:nvSpPr>
+            <p:cNvPr id="10" name="TextBox 9">
+              <a:extLst>
+                <a:ext uri="{FF2B5EF4-FFF2-40B4-BE49-F238E27FC236}">
+                  <a16:creationId xmlns:a16="http://schemas.microsoft.com/office/drawing/2014/main" id="{30756F86-9217-487E-AAF1-652783262101}"/>
+                </a:ext>
+              </a:extLst>
+            </p:cNvPr>
+            <p:cNvSpPr txBox="1"/>
+            <p:nvPr/>
+          </p:nvSpPr>
+          <p:spPr>
+            <a:xfrm>
+              <a:off x="2569236" y="2850145"/>
+              <a:ext cx="5400000" cy="3477875"/>
+            </a:xfrm>
+            <a:prstGeom prst="rect">
+              <a:avLst/>
+            </a:prstGeom>
+            <a:noFill/>
+            <a:ln>
+              <a:noFill/>
+            </a:ln>
+          </p:spPr>
+          <p:txBody>
+            <a:bodyPr wrap="square" rtlCol="0" anchor="ctr">
+              <a:spAutoFit/>
+            </a:bodyPr>
+            <a:lstStyle/>
+            <a:p>
+              <a:pPr algn="ctr"/>
+              <a:r>
+                <a:rPr lang="en-GB" sz="22000" dirty="0">
+                  <a:solidFill>
+                    <a:schemeClr val="bg1"/>
+                  </a:solidFill>
+                  <a:latin typeface="Copperplate Gothic Bold" panose="020E0705020206020404" pitchFamily="34" charset="0"/>
+                </a:rPr>
+                <a:t>BC</a:t>
+              </a:r>
+            </a:p>
+          </p:txBody>
+        </p:sp>
+        <p:sp>
+          <p:nvSpPr>
+            <p:cNvPr id="5" name="Rectangle 4">
+              <a:extLst>
+                <a:ext uri="{FF2B5EF4-FFF2-40B4-BE49-F238E27FC236}">
+                  <a16:creationId xmlns:a16="http://schemas.microsoft.com/office/drawing/2014/main" id="{D319962A-348E-41C1-93A3-F5576BB85EE9}"/>
+                </a:ext>
+              </a:extLst>
+            </p:cNvPr>
+            <p:cNvSpPr/>
+            <p:nvPr/>
+          </p:nvSpPr>
+          <p:spPr>
+            <a:xfrm>
+              <a:off x="2749236" y="789978"/>
+              <a:ext cx="5040000" cy="5040000"/>
+            </a:xfrm>
+            <a:prstGeom prst="rect">
+              <a:avLst/>
+            </a:prstGeom>
+            <a:noFill/>
+            <a:ln w="38100">
+              <a:solidFill>
+                <a:schemeClr val="bg1"/>
+              </a:solidFill>
+            </a:ln>
+          </p:spPr>
+          <p:style>
+            <a:lnRef idx="2">
+              <a:schemeClr val="accent1">
+                <a:shade val="50000"/>
+              </a:schemeClr>
+            </a:lnRef>
+            <a:fillRef idx="1">
+              <a:schemeClr val="accent1"/>
+            </a:fillRef>
+            <a:effectRef idx="0">
+              <a:schemeClr val="accent1"/>
+            </a:effectRef>
+            <a:fontRef idx="minor">
+              <a:schemeClr val="lt1"/>
+            </a:fontRef>
+          </p:style>
+          <p:txBody>
+            <a:bodyPr rtlCol="0" anchor="ctr"/>
+            <a:lstStyle/>
+            <a:p>
+              <a:pPr algn="ctr"/>
+              <a:endParaRPr lang="en-GB"/>
+            </a:p>
+          </p:txBody>
+        </p:sp>
+        <p:sp>
+          <p:nvSpPr>
+            <p:cNvPr id="4" name="TextBox 3">
+              <a:extLst>
+                <a:ext uri="{FF2B5EF4-FFF2-40B4-BE49-F238E27FC236}">
+                  <a16:creationId xmlns:a16="http://schemas.microsoft.com/office/drawing/2014/main" id="{DE48338F-24FF-4245-90CA-374A68CFB35A}"/>
+                </a:ext>
+              </a:extLst>
+            </p:cNvPr>
+            <p:cNvSpPr txBox="1"/>
+            <p:nvPr/>
+          </p:nvSpPr>
+          <p:spPr>
+            <a:xfrm>
+              <a:off x="2569236" y="306209"/>
+              <a:ext cx="5400000" cy="3477875"/>
+            </a:xfrm>
+            <a:prstGeom prst="rect">
+              <a:avLst/>
+            </a:prstGeom>
+            <a:noFill/>
+            <a:ln>
+              <a:noFill/>
+            </a:ln>
+          </p:spPr>
+          <p:txBody>
+            <a:bodyPr wrap="square" rtlCol="0" anchor="ctr">
+              <a:spAutoFit/>
+            </a:bodyPr>
+            <a:lstStyle/>
+            <a:p>
+              <a:pPr algn="ctr"/>
+              <a:r>
+                <a:rPr lang="en-GB" sz="22000" dirty="0">
+                  <a:solidFill>
+                    <a:schemeClr val="bg1"/>
+                  </a:solidFill>
+                  <a:latin typeface="Copperplate Gothic Bold" panose="020E0705020206020404" pitchFamily="34" charset="0"/>
+                </a:rPr>
+                <a:t>TQ</a:t>
+              </a:r>
+            </a:p>
+          </p:txBody>
+        </p:sp>
+      </p:grpSp>
+    </p:spTree>
+    <p:extLst>
+      <p:ext uri="{BB962C8B-B14F-4D97-AF65-F5344CB8AC3E}">
+        <p14:creationId xmlns:p14="http://schemas.microsoft.com/office/powerpoint/2010/main" val="3642266933"/>
+      </p:ext>
+    </p:extLst>
+  </p:cSld>
+  <p:clrMapOvr>
+    <a:masterClrMapping/>
+  </p:clrMapOvr>
+</p:sld>
+</file>
+
+<file path=ppt/slides/slide3.xml><?xml version="1.0" encoding="utf-8"?>
+<p:sld xmlns:a="http://schemas.openxmlformats.org/drawingml/2006/main" xmlns:r="http://schemas.openxmlformats.org/officeDocument/2006/relationships" xmlns:p="http://schemas.openxmlformats.org/presentationml/2006/main">
+  <p:cSld>
+    <p:spTree>
+      <p:nvGrpSpPr>
+        <p:cNvPr id="1" name=""/>
+        <p:cNvGrpSpPr/>
+        <p:nvPr/>
+      </p:nvGrpSpPr>
+      <p:grpSpPr>
+        <a:xfrm>
+          <a:off x="0" y="0"/>
+          <a:ext cx="0" cy="0"/>
+          <a:chOff x="0" y="0"/>
+          <a:chExt cx="0" cy="0"/>
+        </a:xfrm>
+      </p:grpSpPr>
+      <p:grpSp>
+        <p:nvGrpSpPr>
           <p:cNvPr id="3" name="Group 2">
             <a:extLst>
               <a:ext uri="{FF2B5EF4-FFF2-40B4-BE49-F238E27FC236}">
@@ -3788,7 +4029,7 @@
 </p:sld>
 </file>
 
-<file path=ppt/slides/slide3.xml><?xml version="1.0" encoding="utf-8"?>
+<file path=ppt/slides/slide4.xml><?xml version="1.0" encoding="utf-8"?>
 <p:sld xmlns:a="http://schemas.openxmlformats.org/drawingml/2006/main" xmlns:r="http://schemas.openxmlformats.org/officeDocument/2006/relationships" xmlns:p="http://schemas.openxmlformats.org/presentationml/2006/main">
   <p:cSld>
     <p:spTree>
@@ -4042,7 +4283,7 @@
 </p:sld>
 </file>
 
-<file path=ppt/slides/slide4.xml><?xml version="1.0" encoding="utf-8"?>
+<file path=ppt/slides/slide5.xml><?xml version="1.0" encoding="utf-8"?>
 <p:sld xmlns:a="http://schemas.openxmlformats.org/drawingml/2006/main" xmlns:r="http://schemas.openxmlformats.org/officeDocument/2006/relationships" xmlns:p="http://schemas.openxmlformats.org/presentationml/2006/main">
   <p:cSld>
     <p:spTree>
